--- a/result_add_suggest/体检报告_王二闯.pptx
+++ b/result_add_suggest/体检报告_王二闯.pptx
@@ -7324,14 +7324,14 @@
               <a:buNone/>
             </a:pPr>
             <a:r>
-              <a:rPr lang="zh-CN" altLang="en-US" sz="1400" dirty="0">
+              <a:rPr lang="zh-CN" altLang="en-US" sz="1800" dirty="0">
                 <a:latin typeface="微软雅黑" panose="020B0503020204020204" pitchFamily="34" charset="-122"/>
                 <a:ea typeface="微软雅黑" panose="020B0503020204020204" pitchFamily="34" charset="-122"/>
                 <a:sym typeface="+mn-ea"/>
               </a:rPr>
               <a:t>存在问题</a:t>
             </a:r>
-            <a:endParaRPr lang="zh-CN" altLang="en-US" sz="1400" dirty="0">
+            <a:endParaRPr lang="zh-CN" altLang="en-US" sz="1800" dirty="0">
               <a:latin typeface="微软雅黑" panose="020B0503020204020204" pitchFamily="34" charset="-122"/>
               <a:ea typeface="微软雅黑" panose="020B0503020204020204" pitchFamily="34" charset="-122"/>
               <a:sym typeface="+mn-ea"/>
@@ -7342,7 +7342,7 @@
               <a:buNone/>
             </a:pPr>
             <a:r>
-              <a:rPr lang="en-US" altLang="zh-CN" sz="1400" dirty="0">
+              <a:rPr lang="en-US" altLang="zh-CN" sz="1800" dirty="0">
                 <a:latin typeface="微软雅黑" panose="020B0503020204020204" pitchFamily="34" charset="-122"/>
                 <a:ea typeface="微软雅黑" panose="020B0503020204020204" pitchFamily="34" charset="-122"/>
                 <a:sym typeface="+mn-ea"/>
@@ -7350,14 +7350,14 @@
               <a:t>1.</a:t>
             </a:r>
             <a:r>
-              <a:rPr lang="zh-CN" altLang="en-US" sz="1400" dirty="0">
+              <a:rPr lang="zh-CN" altLang="en-US" sz="1800" dirty="0">
                 <a:latin typeface="微软雅黑" panose="020B0503020204020204" pitchFamily="34" charset="-122"/>
                 <a:ea typeface="微软雅黑" panose="020B0503020204020204" pitchFamily="34" charset="-122"/>
                 <a:sym typeface="+mn-ea"/>
               </a:rPr>
               <a:t>乙肝病毒感染</a:t>
             </a:r>
-            <a:endParaRPr lang="zh-CN" altLang="en-US" sz="1400" dirty="0">
+            <a:endParaRPr lang="zh-CN" altLang="en-US" sz="1800" dirty="0">
               <a:latin typeface="微软雅黑" panose="020B0503020204020204" pitchFamily="34" charset="-122"/>
               <a:ea typeface="微软雅黑" panose="020B0503020204020204" pitchFamily="34" charset="-122"/>
               <a:sym typeface="+mn-ea"/>
@@ -7368,14 +7368,14 @@
               <a:buNone/>
             </a:pPr>
             <a:r>
-              <a:rPr lang="zh-CN" altLang="en-US" sz="1400" dirty="0">
+              <a:rPr lang="zh-CN" altLang="en-US" sz="1800" dirty="0">
                 <a:latin typeface="微软雅黑" panose="020B0503020204020204" pitchFamily="34" charset="-122"/>
                 <a:ea typeface="微软雅黑" panose="020B0503020204020204" pitchFamily="34" charset="-122"/>
                 <a:sym typeface="+mn-ea"/>
               </a:rPr>
               <a:t>建议</a:t>
             </a:r>
-            <a:endParaRPr lang="zh-CN" altLang="en-US" sz="1400" dirty="0">
+            <a:endParaRPr lang="zh-CN" altLang="en-US" sz="1800" dirty="0">
               <a:latin typeface="微软雅黑" panose="020B0503020204020204" pitchFamily="34" charset="-122"/>
               <a:ea typeface="微软雅黑" panose="020B0503020204020204" pitchFamily="34" charset="-122"/>
               <a:sym typeface="+mn-ea"/>
@@ -7386,7 +7386,7 @@
               <a:buNone/>
             </a:pPr>
             <a:r>
-              <a:rPr lang="en-US" altLang="zh-CN" sz="1400" dirty="0">
+              <a:rPr lang="en-US" altLang="zh-CN" sz="1800" dirty="0">
                 <a:latin typeface="微软雅黑" panose="020B0503020204020204" pitchFamily="34" charset="-122"/>
                 <a:ea typeface="微软雅黑" panose="020B0503020204020204" pitchFamily="34" charset="-122"/>
                 <a:sym typeface="+mn-ea"/>
@@ -7394,14 +7394,14 @@
               <a:t>1.</a:t>
             </a:r>
             <a:r>
-              <a:rPr lang="zh-CN" altLang="en-US" sz="1400" dirty="0">
+              <a:rPr lang="zh-CN" altLang="en-US" sz="1800" dirty="0">
                 <a:latin typeface="微软雅黑" panose="020B0503020204020204" pitchFamily="34" charset="-122"/>
                 <a:ea typeface="微软雅黑" panose="020B0503020204020204" pitchFamily="34" charset="-122"/>
                 <a:sym typeface="+mn-ea"/>
               </a:rPr>
               <a:t>尽快到医院感染科或肝病专科就诊，进一步进行乙肝五项等检查，以明确乙肝病毒感染的具体情况。</a:t>
             </a:r>
-            <a:endParaRPr lang="zh-CN" altLang="en-US" sz="1400" dirty="0">
+            <a:endParaRPr lang="zh-CN" altLang="en-US" sz="1800" dirty="0">
               <a:latin typeface="微软雅黑" panose="020B0503020204020204" pitchFamily="34" charset="-122"/>
               <a:ea typeface="微软雅黑" panose="020B0503020204020204" pitchFamily="34" charset="-122"/>
               <a:sym typeface="+mn-ea"/>
@@ -7412,7 +7412,7 @@
               <a:buNone/>
             </a:pPr>
             <a:r>
-              <a:rPr lang="en-US" altLang="zh-CN" sz="1400" dirty="0">
+              <a:rPr lang="en-US" altLang="zh-CN" sz="1800" dirty="0">
                 <a:latin typeface="微软雅黑" panose="020B0503020204020204" pitchFamily="34" charset="-122"/>
                 <a:ea typeface="微软雅黑" panose="020B0503020204020204" pitchFamily="34" charset="-122"/>
                 <a:sym typeface="+mn-ea"/>
@@ -7420,14 +7420,14 @@
               <a:t>2.</a:t>
             </a:r>
             <a:r>
-              <a:rPr lang="zh-CN" altLang="en-US" sz="1400" dirty="0">
+              <a:rPr lang="zh-CN" altLang="en-US" sz="1800" dirty="0">
                 <a:latin typeface="微软雅黑" panose="020B0503020204020204" pitchFamily="34" charset="-122"/>
                 <a:ea typeface="微软雅黑" panose="020B0503020204020204" pitchFamily="34" charset="-122"/>
                 <a:sym typeface="+mn-ea"/>
               </a:rPr>
               <a:t>注意休息，避免劳累，饮食清淡。</a:t>
             </a:r>
-            <a:endParaRPr lang="zh-CN" altLang="en-US" sz="1400" dirty="0">
+            <a:endParaRPr lang="zh-CN" altLang="en-US" sz="1800" dirty="0">
               <a:latin typeface="微软雅黑" panose="020B0503020204020204" pitchFamily="34" charset="-122"/>
               <a:ea typeface="微软雅黑" panose="020B0503020204020204" pitchFamily="34" charset="-122"/>
               <a:sym typeface="+mn-ea"/>
@@ -7438,7 +7438,7 @@
               <a:buNone/>
             </a:pPr>
             <a:r>
-              <a:rPr lang="en-US" altLang="zh-CN" sz="1400" dirty="0">
+              <a:rPr lang="en-US" altLang="zh-CN" sz="1800" dirty="0">
                 <a:latin typeface="微软雅黑" panose="020B0503020204020204" pitchFamily="34" charset="-122"/>
                 <a:ea typeface="微软雅黑" panose="020B0503020204020204" pitchFamily="34" charset="-122"/>
                 <a:sym typeface="+mn-ea"/>
@@ -7446,14 +7446,14 @@
               <a:t>3.</a:t>
             </a:r>
             <a:r>
-              <a:rPr lang="zh-CN" altLang="en-US" sz="1400" dirty="0">
+              <a:rPr lang="zh-CN" altLang="en-US" sz="1800" dirty="0">
                 <a:latin typeface="微软雅黑" panose="020B0503020204020204" pitchFamily="34" charset="-122"/>
                 <a:ea typeface="微软雅黑" panose="020B0503020204020204" pitchFamily="34" charset="-122"/>
                 <a:sym typeface="+mn-ea"/>
               </a:rPr>
               <a:t>绝对禁酒</a:t>
             </a:r>
-            <a:endParaRPr lang="zh-CN" altLang="en-US" sz="1400" dirty="0">
+            <a:endParaRPr lang="zh-CN" altLang="en-US" sz="1800" dirty="0">
               <a:latin typeface="微软雅黑" panose="020B0503020204020204" pitchFamily="34" charset="-122"/>
               <a:ea typeface="微软雅黑" panose="020B0503020204020204" pitchFamily="34" charset="-122"/>
               <a:sym typeface="+mn-ea"/>
@@ -7464,7 +7464,7 @@
               <a:buNone/>
             </a:pPr>
             <a:r>
-              <a:rPr lang="en-US" altLang="zh-CN" sz="1400" dirty="0">
+              <a:rPr lang="en-US" altLang="zh-CN" sz="1800" dirty="0">
                 <a:latin typeface="微软雅黑" panose="020B0503020204020204" pitchFamily="34" charset="-122"/>
                 <a:ea typeface="微软雅黑" panose="020B0503020204020204" pitchFamily="34" charset="-122"/>
                 <a:sym typeface="+mn-ea"/>
@@ -7472,13 +7472,43 @@
               <a:t>4.</a:t>
             </a:r>
             <a:r>
-              <a:rPr lang="zh-CN" altLang="en-US" sz="1400" dirty="0">
+              <a:rPr lang="zh-CN" altLang="en-US" sz="1800" dirty="0">
                 <a:latin typeface="微软雅黑" panose="020B0503020204020204" pitchFamily="34" charset="-122"/>
                 <a:ea typeface="微软雅黑" panose="020B0503020204020204" pitchFamily="34" charset="-122"/>
                 <a:sym typeface="+mn-ea"/>
               </a:rPr>
               <a:t>定期复查，动态监测病情变化。</a:t>
             </a:r>
+            <a:endParaRPr lang="zh-CN" altLang="en-US" sz="1800" dirty="0">
+              <a:latin typeface="微软雅黑" panose="020B0503020204020204" pitchFamily="34" charset="-122"/>
+              <a:ea typeface="微软雅黑" panose="020B0503020204020204" pitchFamily="34" charset="-122"/>
+              <a:sym typeface="+mn-ea"/>
+            </a:endParaRPr>
+          </a:p>
+          <a:p>
+            <a:pPr marL="0" indent="0">
+              <a:buNone/>
+            </a:pPr>
+            <a:endParaRPr lang="zh-CN" altLang="en-US" sz="1800" dirty="0">
+              <a:latin typeface="微软雅黑" panose="020B0503020204020204" pitchFamily="34" charset="-122"/>
+              <a:ea typeface="微软雅黑" panose="020B0503020204020204" pitchFamily="34" charset="-122"/>
+              <a:sym typeface="+mn-ea"/>
+            </a:endParaRPr>
+          </a:p>
+          <a:p>
+            <a:pPr marL="0" indent="0">
+              <a:buNone/>
+            </a:pPr>
+            <a:endParaRPr lang="zh-CN" altLang="en-US" sz="1400" dirty="0">
+              <a:latin typeface="微软雅黑" panose="020B0503020204020204" pitchFamily="34" charset="-122"/>
+              <a:ea typeface="微软雅黑" panose="020B0503020204020204" pitchFamily="34" charset="-122"/>
+              <a:sym typeface="+mn-ea"/>
+            </a:endParaRPr>
+          </a:p>
+          <a:p>
+            <a:pPr marL="0" indent="0">
+              <a:buNone/>
+            </a:pPr>
             <a:endParaRPr lang="zh-CN" altLang="en-US" sz="1400" dirty="0">
               <a:latin typeface="微软雅黑" panose="020B0503020204020204" pitchFamily="34" charset="-122"/>
               <a:ea typeface="微软雅黑" panose="020B0503020204020204" pitchFamily="34" charset="-122"/>
@@ -7496,6 +7526,246 @@
               <a:ea typeface="微软雅黑" panose="020B0503020204020204" pitchFamily="34" charset="-122"/>
               <a:sym typeface="+mn-ea"/>
             </a:endParaRPr>
+          </a:p>
+        </p:txBody>
+      </p:sp>
+      <p:sp>
+        <p:nvSpPr>
+          <p:cNvPr id="3" name="文本框 2"/>
+          <p:cNvSpPr txBox="1"/>
+          <p:nvPr/>
+        </p:nvSpPr>
+        <p:spPr>
+          <a:xfrm>
+            <a:off x="1039495" y="4768850"/>
+            <a:ext cx="4914265" cy="4246245"/>
+          </a:xfrm>
+          <a:prstGeom prst="rect">
+            <a:avLst/>
+          </a:prstGeom>
+          <a:noFill/>
+        </p:spPr>
+        <p:txBody>
+          <a:bodyPr wrap="none" rtlCol="0" anchor="t">
+            <a:spAutoFit/>
+          </a:bodyPr>
+          <a:p>
+            <a:pPr marL="0" indent="0">
+              <a:buNone/>
+            </a:pPr>
+            <a:endParaRPr lang="zh-CN" altLang="en-US" dirty="0">
+              <a:latin typeface="微软雅黑" panose="020B0503020204020204" pitchFamily="34" charset="-122"/>
+              <a:ea typeface="微软雅黑" panose="020B0503020204020204" pitchFamily="34" charset="-122"/>
+              <a:sym typeface="+mn-ea"/>
+            </a:endParaRPr>
+          </a:p>
+          <a:p>
+            <a:pPr marL="0" indent="0">
+              <a:buNone/>
+            </a:pPr>
+            <a:endParaRPr lang="zh-CN" altLang="en-US" dirty="0">
+              <a:latin typeface="微软雅黑" panose="020B0503020204020204" pitchFamily="34" charset="-122"/>
+              <a:ea typeface="微软雅黑" panose="020B0503020204020204" pitchFamily="34" charset="-122"/>
+              <a:sym typeface="+mn-ea"/>
+            </a:endParaRPr>
+          </a:p>
+          <a:p>
+            <a:pPr marL="0" indent="0">
+              <a:buNone/>
+            </a:pPr>
+            <a:endParaRPr lang="zh-CN" altLang="en-US" dirty="0">
+              <a:latin typeface="微软雅黑" panose="020B0503020204020204" pitchFamily="34" charset="-122"/>
+              <a:ea typeface="微软雅黑" panose="020B0503020204020204" pitchFamily="34" charset="-122"/>
+              <a:sym typeface="+mn-ea"/>
+            </a:endParaRPr>
+          </a:p>
+          <a:p>
+            <a:pPr marL="0" indent="0">
+              <a:buNone/>
+            </a:pPr>
+            <a:endParaRPr lang="zh-CN" altLang="en-US" dirty="0">
+              <a:latin typeface="微软雅黑" panose="020B0503020204020204" pitchFamily="34" charset="-122"/>
+              <a:ea typeface="微软雅黑" panose="020B0503020204020204" pitchFamily="34" charset="-122"/>
+              <a:sym typeface="+mn-ea"/>
+            </a:endParaRPr>
+          </a:p>
+          <a:p>
+            <a:pPr marL="0" indent="0">
+              <a:buNone/>
+            </a:pPr>
+            <a:endParaRPr lang="zh-CN" altLang="en-US" dirty="0">
+              <a:latin typeface="微软雅黑" panose="020B0503020204020204" pitchFamily="34" charset="-122"/>
+              <a:ea typeface="微软雅黑" panose="020B0503020204020204" pitchFamily="34" charset="-122"/>
+              <a:sym typeface="+mn-ea"/>
+            </a:endParaRPr>
+          </a:p>
+          <a:p>
+            <a:pPr marL="0" indent="0">
+              <a:buNone/>
+            </a:pPr>
+            <a:endParaRPr lang="zh-CN" altLang="en-US" dirty="0">
+              <a:latin typeface="微软雅黑" panose="020B0503020204020204" pitchFamily="34" charset="-122"/>
+              <a:ea typeface="微软雅黑" panose="020B0503020204020204" pitchFamily="34" charset="-122"/>
+              <a:sym typeface="+mn-ea"/>
+            </a:endParaRPr>
+          </a:p>
+          <a:p>
+            <a:pPr marL="0" indent="0">
+              <a:buNone/>
+            </a:pPr>
+            <a:endParaRPr lang="zh-CN" altLang="en-US" dirty="0">
+              <a:latin typeface="微软雅黑" panose="020B0503020204020204" pitchFamily="34" charset="-122"/>
+              <a:ea typeface="微软雅黑" panose="020B0503020204020204" pitchFamily="34" charset="-122"/>
+              <a:sym typeface="+mn-ea"/>
+            </a:endParaRPr>
+          </a:p>
+          <a:p>
+            <a:pPr marL="0" indent="0">
+              <a:buNone/>
+            </a:pPr>
+            <a:endParaRPr lang="zh-CN" altLang="en-US" dirty="0">
+              <a:latin typeface="微软雅黑" panose="020B0503020204020204" pitchFamily="34" charset="-122"/>
+              <a:ea typeface="微软雅黑" panose="020B0503020204020204" pitchFamily="34" charset="-122"/>
+              <a:sym typeface="+mn-ea"/>
+            </a:endParaRPr>
+          </a:p>
+          <a:p>
+            <a:pPr marL="0" indent="0">
+              <a:buNone/>
+            </a:pPr>
+            <a:endParaRPr lang="zh-CN" altLang="en-US" dirty="0">
+              <a:latin typeface="微软雅黑" panose="020B0503020204020204" pitchFamily="34" charset="-122"/>
+              <a:ea typeface="微软雅黑" panose="020B0503020204020204" pitchFamily="34" charset="-122"/>
+              <a:sym typeface="+mn-ea"/>
+            </a:endParaRPr>
+          </a:p>
+          <a:p>
+            <a:pPr marL="0" indent="0">
+              <a:buNone/>
+            </a:pPr>
+            <a:endParaRPr lang="zh-CN" altLang="en-US" dirty="0">
+              <a:latin typeface="微软雅黑" panose="020B0503020204020204" pitchFamily="34" charset="-122"/>
+              <a:ea typeface="微软雅黑" panose="020B0503020204020204" pitchFamily="34" charset="-122"/>
+              <a:sym typeface="+mn-ea"/>
+            </a:endParaRPr>
+          </a:p>
+          <a:p>
+            <a:pPr marL="0" indent="0">
+              <a:buNone/>
+            </a:pPr>
+            <a:endParaRPr lang="zh-CN" altLang="en-US" dirty="0">
+              <a:latin typeface="微软雅黑" panose="020B0503020204020204" pitchFamily="34" charset="-122"/>
+              <a:ea typeface="微软雅黑" panose="020B0503020204020204" pitchFamily="34" charset="-122"/>
+              <a:sym typeface="+mn-ea"/>
+            </a:endParaRPr>
+          </a:p>
+          <a:p>
+            <a:pPr marL="0" indent="0">
+              <a:buNone/>
+            </a:pPr>
+            <a:endParaRPr lang="zh-CN" altLang="en-US" dirty="0">
+              <a:latin typeface="微软雅黑" panose="020B0503020204020204" pitchFamily="34" charset="-122"/>
+              <a:ea typeface="微软雅黑" panose="020B0503020204020204" pitchFamily="34" charset="-122"/>
+              <a:sym typeface="+mn-ea"/>
+            </a:endParaRPr>
+          </a:p>
+          <a:p>
+            <a:pPr marL="0" indent="0">
+              <a:buNone/>
+            </a:pPr>
+            <a:endParaRPr lang="zh-CN" altLang="en-US" dirty="0">
+              <a:latin typeface="微软雅黑" panose="020B0503020204020204" pitchFamily="34" charset="-122"/>
+              <a:ea typeface="微软雅黑" panose="020B0503020204020204" pitchFamily="34" charset="-122"/>
+              <a:sym typeface="+mn-ea"/>
+            </a:endParaRPr>
+          </a:p>
+          <a:p>
+            <a:pPr marL="0" indent="0">
+              <a:buNone/>
+            </a:pPr>
+            <a:endParaRPr lang="zh-CN" altLang="en-US" dirty="0">
+              <a:latin typeface="微软雅黑" panose="020B0503020204020204" pitchFamily="34" charset="-122"/>
+              <a:ea typeface="微软雅黑" panose="020B0503020204020204" pitchFamily="34" charset="-122"/>
+              <a:sym typeface="+mn-ea"/>
+            </a:endParaRPr>
+          </a:p>
+          <a:p>
+            <a:pPr marL="0" indent="0">
+              <a:buNone/>
+            </a:pPr>
+            <a:r>
+              <a:rPr lang="zh-CN" altLang="en-US" dirty="0">
+                <a:latin typeface="微软雅黑" panose="020B0503020204020204" pitchFamily="34" charset="-122"/>
+                <a:ea typeface="微软雅黑" panose="020B0503020204020204" pitchFamily="34" charset="-122"/>
+                <a:sym typeface="+mn-ea"/>
+              </a:rPr>
+              <a:t>检查日期：</a:t>
+            </a:r>
+            <a:r>
+              <a:rPr lang="en-US" altLang="zh-CN" dirty="0">
+                <a:latin typeface="微软雅黑" panose="020B0503020204020204" pitchFamily="34" charset="-122"/>
+                <a:ea typeface="微软雅黑" panose="020B0503020204020204" pitchFamily="34" charset="-122"/>
+                <a:sym typeface="+mn-ea"/>
+              </a:rPr>
+              <a:t>2025</a:t>
+            </a:r>
+            <a:r>
+              <a:rPr lang="zh-CN" altLang="en-US" dirty="0">
+                <a:latin typeface="微软雅黑" panose="020B0503020204020204" pitchFamily="34" charset="-122"/>
+                <a:ea typeface="微软雅黑" panose="020B0503020204020204" pitchFamily="34" charset="-122"/>
+                <a:sym typeface="+mn-ea"/>
+              </a:rPr>
+              <a:t>年</a:t>
+            </a:r>
+            <a:r>
+              <a:rPr lang="en-US" altLang="zh-CN" dirty="0">
+                <a:latin typeface="微软雅黑" panose="020B0503020204020204" pitchFamily="34" charset="-122"/>
+                <a:ea typeface="微软雅黑" panose="020B0503020204020204" pitchFamily="34" charset="-122"/>
+                <a:sym typeface="+mn-ea"/>
+              </a:rPr>
+              <a:t>12</a:t>
+            </a:r>
+            <a:r>
+              <a:rPr lang="zh-CN" altLang="en-US" dirty="0">
+                <a:latin typeface="微软雅黑" panose="020B0503020204020204" pitchFamily="34" charset="-122"/>
+                <a:ea typeface="微软雅黑" panose="020B0503020204020204" pitchFamily="34" charset="-122"/>
+                <a:sym typeface="+mn-ea"/>
+              </a:rPr>
+              <a:t>月</a:t>
+            </a:r>
+            <a:r>
+              <a:rPr lang="en-US" altLang="zh-CN" dirty="0">
+                <a:latin typeface="微软雅黑" panose="020B0503020204020204" pitchFamily="34" charset="-122"/>
+                <a:ea typeface="微软雅黑" panose="020B0503020204020204" pitchFamily="34" charset="-122"/>
+                <a:sym typeface="+mn-ea"/>
+              </a:rPr>
+              <a:t>4</a:t>
+            </a:r>
+            <a:r>
+              <a:rPr lang="zh-CN" altLang="en-US" dirty="0">
+                <a:latin typeface="微软雅黑" panose="020B0503020204020204" pitchFamily="34" charset="-122"/>
+                <a:ea typeface="微软雅黑" panose="020B0503020204020204" pitchFamily="34" charset="-122"/>
+                <a:sym typeface="+mn-ea"/>
+              </a:rPr>
+              <a:t>日</a:t>
+            </a:r>
+            <a:r>
+              <a:rPr lang="en-US" altLang="zh-CN" dirty="0">
+                <a:latin typeface="微软雅黑" panose="020B0503020204020204" pitchFamily="34" charset="-122"/>
+                <a:ea typeface="微软雅黑" panose="020B0503020204020204" pitchFamily="34" charset="-122"/>
+                <a:sym typeface="+mn-ea"/>
+              </a:rPr>
+              <a:t>  </a:t>
+            </a:r>
+            <a:r>
+              <a:rPr lang="zh-CN" altLang="en-US" dirty="0">
+                <a:latin typeface="微软雅黑" panose="020B0503020204020204" pitchFamily="34" charset="-122"/>
+                <a:ea typeface="微软雅黑" panose="020B0503020204020204" pitchFamily="34" charset="-122"/>
+                <a:sym typeface="+mn-ea"/>
+              </a:rPr>
+              <a:t>总检医师：谈亚利</a:t>
+            </a:r>
+            <a:endParaRPr lang="zh-CN" altLang="en-US"/>
           </a:p>
         </p:txBody>
       </p:sp>

--- a/result_add_suggest/体检报告_王二闯.pptx
+++ b/result_add_suggest/体检报告_王二闯.pptx
@@ -7324,14 +7324,14 @@
               <a:buNone/>
             </a:pPr>
             <a:r>
-              <a:rPr lang="zh-CN" altLang="en-US" sz="1800" dirty="0">
+              <a:rPr lang="zh-CN" altLang="en-US" sz="1400" dirty="0">
                 <a:latin typeface="微软雅黑" panose="020B0503020204020204" pitchFamily="34" charset="-122"/>
                 <a:ea typeface="微软雅黑" panose="020B0503020204020204" pitchFamily="34" charset="-122"/>
                 <a:sym typeface="+mn-ea"/>
               </a:rPr>
               <a:t>存在问题</a:t>
             </a:r>
-            <a:endParaRPr lang="zh-CN" altLang="en-US" sz="1800" dirty="0">
+            <a:endParaRPr lang="zh-CN" altLang="en-US" sz="1400" dirty="0">
               <a:latin typeface="微软雅黑" panose="020B0503020204020204" pitchFamily="34" charset="-122"/>
               <a:ea typeface="微软雅黑" panose="020B0503020204020204" pitchFamily="34" charset="-122"/>
               <a:sym typeface="+mn-ea"/>
@@ -7342,7 +7342,7 @@
               <a:buNone/>
             </a:pPr>
             <a:r>
-              <a:rPr lang="en-US" altLang="zh-CN" sz="1800" dirty="0">
+              <a:rPr lang="en-US" altLang="zh-CN" sz="1400" dirty="0">
                 <a:latin typeface="微软雅黑" panose="020B0503020204020204" pitchFamily="34" charset="-122"/>
                 <a:ea typeface="微软雅黑" panose="020B0503020204020204" pitchFamily="34" charset="-122"/>
                 <a:sym typeface="+mn-ea"/>
@@ -7350,14 +7350,14 @@
               <a:t>1.</a:t>
             </a:r>
             <a:r>
-              <a:rPr lang="zh-CN" altLang="en-US" sz="1800" dirty="0">
+              <a:rPr lang="zh-CN" altLang="en-US" sz="1400" dirty="0">
                 <a:latin typeface="微软雅黑" panose="020B0503020204020204" pitchFamily="34" charset="-122"/>
                 <a:ea typeface="微软雅黑" panose="020B0503020204020204" pitchFamily="34" charset="-122"/>
                 <a:sym typeface="+mn-ea"/>
               </a:rPr>
               <a:t>乙肝病毒感染</a:t>
             </a:r>
-            <a:endParaRPr lang="zh-CN" altLang="en-US" sz="1800" dirty="0">
+            <a:endParaRPr lang="zh-CN" altLang="en-US" sz="1400" dirty="0">
               <a:latin typeface="微软雅黑" panose="020B0503020204020204" pitchFamily="34" charset="-122"/>
               <a:ea typeface="微软雅黑" panose="020B0503020204020204" pitchFamily="34" charset="-122"/>
               <a:sym typeface="+mn-ea"/>
@@ -7368,14 +7368,14 @@
               <a:buNone/>
             </a:pPr>
             <a:r>
-              <a:rPr lang="zh-CN" altLang="en-US" sz="1800" dirty="0">
+              <a:rPr lang="zh-CN" altLang="en-US" sz="1400" dirty="0">
                 <a:latin typeface="微软雅黑" panose="020B0503020204020204" pitchFamily="34" charset="-122"/>
                 <a:ea typeface="微软雅黑" panose="020B0503020204020204" pitchFamily="34" charset="-122"/>
                 <a:sym typeface="+mn-ea"/>
               </a:rPr>
               <a:t>建议</a:t>
             </a:r>
-            <a:endParaRPr lang="zh-CN" altLang="en-US" sz="1800" dirty="0">
+            <a:endParaRPr lang="zh-CN" altLang="en-US" sz="1400" dirty="0">
               <a:latin typeface="微软雅黑" panose="020B0503020204020204" pitchFamily="34" charset="-122"/>
               <a:ea typeface="微软雅黑" panose="020B0503020204020204" pitchFamily="34" charset="-122"/>
               <a:sym typeface="+mn-ea"/>
@@ -7386,7 +7386,7 @@
               <a:buNone/>
             </a:pPr>
             <a:r>
-              <a:rPr lang="en-US" altLang="zh-CN" sz="1800" dirty="0">
+              <a:rPr lang="en-US" altLang="zh-CN" sz="1400" dirty="0">
                 <a:latin typeface="微软雅黑" panose="020B0503020204020204" pitchFamily="34" charset="-122"/>
                 <a:ea typeface="微软雅黑" panose="020B0503020204020204" pitchFamily="34" charset="-122"/>
                 <a:sym typeface="+mn-ea"/>
@@ -7394,14 +7394,14 @@
               <a:t>1.</a:t>
             </a:r>
             <a:r>
-              <a:rPr lang="zh-CN" altLang="en-US" sz="1800" dirty="0">
+              <a:rPr lang="zh-CN" altLang="en-US" sz="1400" dirty="0">
                 <a:latin typeface="微软雅黑" panose="020B0503020204020204" pitchFamily="34" charset="-122"/>
                 <a:ea typeface="微软雅黑" panose="020B0503020204020204" pitchFamily="34" charset="-122"/>
                 <a:sym typeface="+mn-ea"/>
               </a:rPr>
               <a:t>尽快到医院感染科或肝病专科就诊，进一步进行乙肝五项等检查，以明确乙肝病毒感染的具体情况。</a:t>
             </a:r>
-            <a:endParaRPr lang="zh-CN" altLang="en-US" sz="1800" dirty="0">
+            <a:endParaRPr lang="zh-CN" altLang="en-US" sz="1400" dirty="0">
               <a:latin typeface="微软雅黑" panose="020B0503020204020204" pitchFamily="34" charset="-122"/>
               <a:ea typeface="微软雅黑" panose="020B0503020204020204" pitchFamily="34" charset="-122"/>
               <a:sym typeface="+mn-ea"/>
@@ -7412,7 +7412,7 @@
               <a:buNone/>
             </a:pPr>
             <a:r>
-              <a:rPr lang="en-US" altLang="zh-CN" sz="1800" dirty="0">
+              <a:rPr lang="en-US" altLang="zh-CN" sz="1400" dirty="0">
                 <a:latin typeface="微软雅黑" panose="020B0503020204020204" pitchFamily="34" charset="-122"/>
                 <a:ea typeface="微软雅黑" panose="020B0503020204020204" pitchFamily="34" charset="-122"/>
                 <a:sym typeface="+mn-ea"/>
@@ -7420,14 +7420,14 @@
               <a:t>2.</a:t>
             </a:r>
             <a:r>
-              <a:rPr lang="zh-CN" altLang="en-US" sz="1800" dirty="0">
+              <a:rPr lang="zh-CN" altLang="en-US" sz="1400" dirty="0">
                 <a:latin typeface="微软雅黑" panose="020B0503020204020204" pitchFamily="34" charset="-122"/>
                 <a:ea typeface="微软雅黑" panose="020B0503020204020204" pitchFamily="34" charset="-122"/>
                 <a:sym typeface="+mn-ea"/>
               </a:rPr>
               <a:t>注意休息，避免劳累，饮食清淡。</a:t>
             </a:r>
-            <a:endParaRPr lang="zh-CN" altLang="en-US" sz="1800" dirty="0">
+            <a:endParaRPr lang="zh-CN" altLang="en-US" sz="1400" dirty="0">
               <a:latin typeface="微软雅黑" panose="020B0503020204020204" pitchFamily="34" charset="-122"/>
               <a:ea typeface="微软雅黑" panose="020B0503020204020204" pitchFamily="34" charset="-122"/>
               <a:sym typeface="+mn-ea"/>
@@ -7438,7 +7438,7 @@
               <a:buNone/>
             </a:pPr>
             <a:r>
-              <a:rPr lang="en-US" altLang="zh-CN" sz="1800" dirty="0">
+              <a:rPr lang="en-US" altLang="zh-CN" sz="1400" dirty="0">
                 <a:latin typeface="微软雅黑" panose="020B0503020204020204" pitchFamily="34" charset="-122"/>
                 <a:ea typeface="微软雅黑" panose="020B0503020204020204" pitchFamily="34" charset="-122"/>
                 <a:sym typeface="+mn-ea"/>
@@ -7446,14 +7446,14 @@
               <a:t>3.</a:t>
             </a:r>
             <a:r>
-              <a:rPr lang="zh-CN" altLang="en-US" sz="1800" dirty="0">
+              <a:rPr lang="zh-CN" altLang="en-US" sz="1400" dirty="0">
                 <a:latin typeface="微软雅黑" panose="020B0503020204020204" pitchFamily="34" charset="-122"/>
                 <a:ea typeface="微软雅黑" panose="020B0503020204020204" pitchFamily="34" charset="-122"/>
                 <a:sym typeface="+mn-ea"/>
               </a:rPr>
               <a:t>绝对禁酒</a:t>
             </a:r>
-            <a:endParaRPr lang="zh-CN" altLang="en-US" sz="1800" dirty="0">
+            <a:endParaRPr lang="zh-CN" altLang="en-US" sz="1400" dirty="0">
               <a:latin typeface="微软雅黑" panose="020B0503020204020204" pitchFamily="34" charset="-122"/>
               <a:ea typeface="微软雅黑" panose="020B0503020204020204" pitchFamily="34" charset="-122"/>
               <a:sym typeface="+mn-ea"/>
@@ -7464,7 +7464,7 @@
               <a:buNone/>
             </a:pPr>
             <a:r>
-              <a:rPr lang="en-US" altLang="zh-CN" sz="1800" dirty="0">
+              <a:rPr lang="en-US" altLang="zh-CN" sz="1400" dirty="0">
                 <a:latin typeface="微软雅黑" panose="020B0503020204020204" pitchFamily="34" charset="-122"/>
                 <a:ea typeface="微软雅黑" panose="020B0503020204020204" pitchFamily="34" charset="-122"/>
                 <a:sym typeface="+mn-ea"/>
@@ -7472,43 +7472,13 @@
               <a:t>4.</a:t>
             </a:r>
             <a:r>
-              <a:rPr lang="zh-CN" altLang="en-US" sz="1800" dirty="0">
+              <a:rPr lang="zh-CN" altLang="en-US" sz="1400" dirty="0">
                 <a:latin typeface="微软雅黑" panose="020B0503020204020204" pitchFamily="34" charset="-122"/>
                 <a:ea typeface="微软雅黑" panose="020B0503020204020204" pitchFamily="34" charset="-122"/>
                 <a:sym typeface="+mn-ea"/>
               </a:rPr>
               <a:t>定期复查，动态监测病情变化。</a:t>
             </a:r>
-            <a:endParaRPr lang="zh-CN" altLang="en-US" sz="1800" dirty="0">
-              <a:latin typeface="微软雅黑" panose="020B0503020204020204" pitchFamily="34" charset="-122"/>
-              <a:ea typeface="微软雅黑" panose="020B0503020204020204" pitchFamily="34" charset="-122"/>
-              <a:sym typeface="+mn-ea"/>
-            </a:endParaRPr>
-          </a:p>
-          <a:p>
-            <a:pPr marL="0" indent="0">
-              <a:buNone/>
-            </a:pPr>
-            <a:endParaRPr lang="zh-CN" altLang="en-US" sz="1800" dirty="0">
-              <a:latin typeface="微软雅黑" panose="020B0503020204020204" pitchFamily="34" charset="-122"/>
-              <a:ea typeface="微软雅黑" panose="020B0503020204020204" pitchFamily="34" charset="-122"/>
-              <a:sym typeface="+mn-ea"/>
-            </a:endParaRPr>
-          </a:p>
-          <a:p>
-            <a:pPr marL="0" indent="0">
-              <a:buNone/>
-            </a:pPr>
-            <a:endParaRPr lang="zh-CN" altLang="en-US" sz="1400" dirty="0">
-              <a:latin typeface="微软雅黑" panose="020B0503020204020204" pitchFamily="34" charset="-122"/>
-              <a:ea typeface="微软雅黑" panose="020B0503020204020204" pitchFamily="34" charset="-122"/>
-              <a:sym typeface="+mn-ea"/>
-            </a:endParaRPr>
-          </a:p>
-          <a:p>
-            <a:pPr marL="0" indent="0">
-              <a:buNone/>
-            </a:pPr>
             <a:endParaRPr lang="zh-CN" altLang="en-US" sz="1400" dirty="0">
               <a:latin typeface="微软雅黑" panose="020B0503020204020204" pitchFamily="34" charset="-122"/>
               <a:ea typeface="微软雅黑" panose="020B0503020204020204" pitchFamily="34" charset="-122"/>
@@ -7531,241 +7501,107 @@
       </p:sp>
       <p:sp>
         <p:nvSpPr>
-          <p:cNvPr id="3" name="文本框 2"/>
+          <p:cNvPr id="10" name="object 10"/>
           <p:cNvSpPr txBox="1"/>
           <p:nvPr/>
         </p:nvSpPr>
         <p:spPr>
           <a:xfrm>
-            <a:off x="1039495" y="4768850"/>
-            <a:ext cx="4914265" cy="4246245"/>
-          </a:xfrm>
-          <a:prstGeom prst="rect">
-            <a:avLst/>
-          </a:prstGeom>
-          <a:noFill/>
+            <a:off x="735330" y="9103995"/>
+            <a:ext cx="5469890" cy="289560"/>
+          </a:xfrm>
+          <a:prstGeom prst="rect">
+            <a:avLst/>
+          </a:prstGeom>
         </p:spPr>
         <p:txBody>
-          <a:bodyPr wrap="none" rtlCol="0" anchor="t">
+          <a:bodyPr vert="horz" wrap="square" lIns="0" tIns="12700" rIns="0" bIns="0" rtlCol="0">
             <a:spAutoFit/>
           </a:bodyPr>
           <a:p>
-            <a:pPr marL="0" indent="0">
-              <a:buNone/>
-            </a:pPr>
-            <a:endParaRPr lang="zh-CN" altLang="en-US" dirty="0">
-              <a:latin typeface="微软雅黑" panose="020B0503020204020204" pitchFamily="34" charset="-122"/>
-              <a:ea typeface="微软雅黑" panose="020B0503020204020204" pitchFamily="34" charset="-122"/>
-              <a:sym typeface="+mn-ea"/>
-            </a:endParaRPr>
-          </a:p>
-          <a:p>
-            <a:pPr marL="0" indent="0">
-              <a:buNone/>
-            </a:pPr>
-            <a:endParaRPr lang="zh-CN" altLang="en-US" dirty="0">
-              <a:latin typeface="微软雅黑" panose="020B0503020204020204" pitchFamily="34" charset="-122"/>
-              <a:ea typeface="微软雅黑" panose="020B0503020204020204" pitchFamily="34" charset="-122"/>
-              <a:sym typeface="+mn-ea"/>
-            </a:endParaRPr>
-          </a:p>
-          <a:p>
-            <a:pPr marL="0" indent="0">
-              <a:buNone/>
-            </a:pPr>
-            <a:endParaRPr lang="zh-CN" altLang="en-US" dirty="0">
-              <a:latin typeface="微软雅黑" panose="020B0503020204020204" pitchFamily="34" charset="-122"/>
-              <a:ea typeface="微软雅黑" panose="020B0503020204020204" pitchFamily="34" charset="-122"/>
-              <a:sym typeface="+mn-ea"/>
-            </a:endParaRPr>
-          </a:p>
-          <a:p>
-            <a:pPr marL="0" indent="0">
-              <a:buNone/>
-            </a:pPr>
-            <a:endParaRPr lang="zh-CN" altLang="en-US" dirty="0">
-              <a:latin typeface="微软雅黑" panose="020B0503020204020204" pitchFamily="34" charset="-122"/>
-              <a:ea typeface="微软雅黑" panose="020B0503020204020204" pitchFamily="34" charset="-122"/>
-              <a:sym typeface="+mn-ea"/>
-            </a:endParaRPr>
-          </a:p>
-          <a:p>
-            <a:pPr marL="0" indent="0">
-              <a:buNone/>
-            </a:pPr>
-            <a:endParaRPr lang="zh-CN" altLang="en-US" dirty="0">
-              <a:latin typeface="微软雅黑" panose="020B0503020204020204" pitchFamily="34" charset="-122"/>
-              <a:ea typeface="微软雅黑" panose="020B0503020204020204" pitchFamily="34" charset="-122"/>
-              <a:sym typeface="+mn-ea"/>
-            </a:endParaRPr>
-          </a:p>
-          <a:p>
-            <a:pPr marL="0" indent="0">
-              <a:buNone/>
-            </a:pPr>
-            <a:endParaRPr lang="zh-CN" altLang="en-US" dirty="0">
-              <a:latin typeface="微软雅黑" panose="020B0503020204020204" pitchFamily="34" charset="-122"/>
-              <a:ea typeface="微软雅黑" panose="020B0503020204020204" pitchFamily="34" charset="-122"/>
-              <a:sym typeface="+mn-ea"/>
-            </a:endParaRPr>
-          </a:p>
-          <a:p>
-            <a:pPr marL="0" indent="0">
-              <a:buNone/>
-            </a:pPr>
-            <a:endParaRPr lang="zh-CN" altLang="en-US" dirty="0">
-              <a:latin typeface="微软雅黑" panose="020B0503020204020204" pitchFamily="34" charset="-122"/>
-              <a:ea typeface="微软雅黑" panose="020B0503020204020204" pitchFamily="34" charset="-122"/>
-              <a:sym typeface="+mn-ea"/>
-            </a:endParaRPr>
-          </a:p>
-          <a:p>
-            <a:pPr marL="0" indent="0">
-              <a:buNone/>
-            </a:pPr>
-            <a:endParaRPr lang="zh-CN" altLang="en-US" dirty="0">
-              <a:latin typeface="微软雅黑" panose="020B0503020204020204" pitchFamily="34" charset="-122"/>
-              <a:ea typeface="微软雅黑" panose="020B0503020204020204" pitchFamily="34" charset="-122"/>
-              <a:sym typeface="+mn-ea"/>
-            </a:endParaRPr>
-          </a:p>
-          <a:p>
-            <a:pPr marL="0" indent="0">
-              <a:buNone/>
-            </a:pPr>
-            <a:endParaRPr lang="zh-CN" altLang="en-US" dirty="0">
-              <a:latin typeface="微软雅黑" panose="020B0503020204020204" pitchFamily="34" charset="-122"/>
-              <a:ea typeface="微软雅黑" panose="020B0503020204020204" pitchFamily="34" charset="-122"/>
-              <a:sym typeface="+mn-ea"/>
-            </a:endParaRPr>
-          </a:p>
-          <a:p>
-            <a:pPr marL="0" indent="0">
-              <a:buNone/>
-            </a:pPr>
-            <a:endParaRPr lang="zh-CN" altLang="en-US" dirty="0">
-              <a:latin typeface="微软雅黑" panose="020B0503020204020204" pitchFamily="34" charset="-122"/>
-              <a:ea typeface="微软雅黑" panose="020B0503020204020204" pitchFamily="34" charset="-122"/>
-              <a:sym typeface="+mn-ea"/>
-            </a:endParaRPr>
-          </a:p>
-          <a:p>
-            <a:pPr marL="0" indent="0">
-              <a:buNone/>
-            </a:pPr>
-            <a:endParaRPr lang="zh-CN" altLang="en-US" dirty="0">
-              <a:latin typeface="微软雅黑" panose="020B0503020204020204" pitchFamily="34" charset="-122"/>
-              <a:ea typeface="微软雅黑" panose="020B0503020204020204" pitchFamily="34" charset="-122"/>
-              <a:sym typeface="+mn-ea"/>
-            </a:endParaRPr>
-          </a:p>
-          <a:p>
-            <a:pPr marL="0" indent="0">
-              <a:buNone/>
-            </a:pPr>
-            <a:endParaRPr lang="zh-CN" altLang="en-US" dirty="0">
-              <a:latin typeface="微软雅黑" panose="020B0503020204020204" pitchFamily="34" charset="-122"/>
-              <a:ea typeface="微软雅黑" panose="020B0503020204020204" pitchFamily="34" charset="-122"/>
-              <a:sym typeface="+mn-ea"/>
-            </a:endParaRPr>
-          </a:p>
-          <a:p>
-            <a:pPr marL="0" indent="0">
-              <a:buNone/>
-            </a:pPr>
-            <a:endParaRPr lang="zh-CN" altLang="en-US" dirty="0">
-              <a:latin typeface="微软雅黑" panose="020B0503020204020204" pitchFamily="34" charset="-122"/>
-              <a:ea typeface="微软雅黑" panose="020B0503020204020204" pitchFamily="34" charset="-122"/>
-              <a:sym typeface="+mn-ea"/>
-            </a:endParaRPr>
-          </a:p>
-          <a:p>
-            <a:pPr marL="0" indent="0">
-              <a:buNone/>
-            </a:pPr>
-            <a:endParaRPr lang="zh-CN" altLang="en-US" dirty="0">
-              <a:latin typeface="微软雅黑" panose="020B0503020204020204" pitchFamily="34" charset="-122"/>
-              <a:ea typeface="微软雅黑" panose="020B0503020204020204" pitchFamily="34" charset="-122"/>
-              <a:sym typeface="+mn-ea"/>
-            </a:endParaRPr>
-          </a:p>
-          <a:p>
-            <a:pPr marL="0" indent="0">
-              <a:buNone/>
+            <a:pPr marL="12700">
+              <a:lnSpc>
+                <a:spcPct val="100000"/>
+              </a:lnSpc>
+              <a:spcBef>
+                <a:spcPts val="100"/>
+              </a:spcBef>
             </a:pPr>
             <a:r>
-              <a:rPr lang="zh-CN" altLang="en-US" dirty="0">
+              <a:rPr sz="1800" spc="-5" dirty="0">
                 <a:latin typeface="微软雅黑" panose="020B0503020204020204" pitchFamily="34" charset="-122"/>
-                <a:ea typeface="微软雅黑" panose="020B0503020204020204" pitchFamily="34" charset="-122"/>
-                <a:sym typeface="+mn-ea"/>
+                <a:cs typeface="微软雅黑" panose="020B0503020204020204" pitchFamily="34" charset="-122"/>
               </a:rPr>
               <a:t>检查日期：</a:t>
             </a:r>
             <a:r>
-              <a:rPr lang="en-US" altLang="zh-CN" dirty="0">
+              <a:rPr sz="1800" spc="-10" dirty="0">
                 <a:latin typeface="微软雅黑" panose="020B0503020204020204" pitchFamily="34" charset="-122"/>
-                <a:ea typeface="微软雅黑" panose="020B0503020204020204" pitchFamily="34" charset="-122"/>
-                <a:sym typeface="+mn-ea"/>
+                <a:cs typeface="微软雅黑" panose="020B0503020204020204" pitchFamily="34" charset="-122"/>
               </a:rPr>
               <a:t>2025</a:t>
             </a:r>
             <a:r>
-              <a:rPr lang="zh-CN" altLang="en-US" dirty="0">
+              <a:rPr sz="1800" dirty="0">
                 <a:latin typeface="微软雅黑" panose="020B0503020204020204" pitchFamily="34" charset="-122"/>
-                <a:ea typeface="微软雅黑" panose="020B0503020204020204" pitchFamily="34" charset="-122"/>
-                <a:sym typeface="+mn-ea"/>
+                <a:cs typeface="微软雅黑" panose="020B0503020204020204" pitchFamily="34" charset="-122"/>
               </a:rPr>
               <a:t>年</a:t>
             </a:r>
             <a:r>
-              <a:rPr lang="en-US" altLang="zh-CN" dirty="0">
+              <a:rPr sz="1800" spc="-10" dirty="0">
                 <a:latin typeface="微软雅黑" panose="020B0503020204020204" pitchFamily="34" charset="-122"/>
-                <a:ea typeface="微软雅黑" panose="020B0503020204020204" pitchFamily="34" charset="-122"/>
-                <a:sym typeface="+mn-ea"/>
+                <a:cs typeface="微软雅黑" panose="020B0503020204020204" pitchFamily="34" charset="-122"/>
               </a:rPr>
-              <a:t>12</a:t>
+              <a:t>1</a:t>
             </a:r>
             <a:r>
-              <a:rPr lang="zh-CN" altLang="en-US" dirty="0">
+              <a:rPr lang="en-US" sz="1800" spc="-10" dirty="0">
                 <a:latin typeface="微软雅黑" panose="020B0503020204020204" pitchFamily="34" charset="-122"/>
-                <a:ea typeface="微软雅黑" panose="020B0503020204020204" pitchFamily="34" charset="-122"/>
-                <a:sym typeface="+mn-ea"/>
+                <a:cs typeface="微软雅黑" panose="020B0503020204020204" pitchFamily="34" charset="-122"/>
+              </a:rPr>
+              <a:t>2</a:t>
+            </a:r>
+            <a:r>
+              <a:rPr sz="1800" dirty="0">
+                <a:latin typeface="微软雅黑" panose="020B0503020204020204" pitchFamily="34" charset="-122"/>
+                <a:cs typeface="微软雅黑" panose="020B0503020204020204" pitchFamily="34" charset="-122"/>
               </a:rPr>
               <a:t>月</a:t>
             </a:r>
             <a:r>
-              <a:rPr lang="en-US" altLang="zh-CN" dirty="0">
+              <a:rPr lang="en-US" sz="1800" spc="-10" dirty="0">
                 <a:latin typeface="微软雅黑" panose="020B0503020204020204" pitchFamily="34" charset="-122"/>
-                <a:ea typeface="微软雅黑" panose="020B0503020204020204" pitchFamily="34" charset="-122"/>
-                <a:sym typeface="+mn-ea"/>
+                <a:cs typeface="微软雅黑" panose="020B0503020204020204" pitchFamily="34" charset="-122"/>
               </a:rPr>
-              <a:t>4</a:t>
+              <a:t>3</a:t>
             </a:r>
             <a:r>
-              <a:rPr lang="zh-CN" altLang="en-US" dirty="0">
+              <a:rPr sz="1800" spc="-50" dirty="0">
                 <a:latin typeface="微软雅黑" panose="020B0503020204020204" pitchFamily="34" charset="-122"/>
-                <a:ea typeface="微软雅黑" panose="020B0503020204020204" pitchFamily="34" charset="-122"/>
-                <a:sym typeface="+mn-ea"/>
+                <a:cs typeface="微软雅黑" panose="020B0503020204020204" pitchFamily="34" charset="-122"/>
               </a:rPr>
               <a:t>日</a:t>
             </a:r>
             <a:r>
-              <a:rPr lang="en-US" altLang="zh-CN" dirty="0">
+              <a:rPr lang="en-US" altLang="en-US" sz="1800" spc="-50" dirty="0">
                 <a:latin typeface="微软雅黑" panose="020B0503020204020204" pitchFamily="34" charset="-122"/>
-                <a:ea typeface="微软雅黑" panose="020B0503020204020204" pitchFamily="34" charset="-122"/>
-                <a:sym typeface="+mn-ea"/>
+                <a:cs typeface="微软雅黑" panose="020B0503020204020204" pitchFamily="34" charset="-122"/>
               </a:rPr>
-              <a:t>  </a:t>
+              <a:t>      </a:t>
             </a:r>
             <a:r>
-              <a:rPr lang="zh-CN" altLang="en-US" dirty="0">
+              <a:rPr sz="1800" spc="-10" dirty="0">
                 <a:latin typeface="微软雅黑" panose="020B0503020204020204" pitchFamily="34" charset="-122"/>
-                <a:ea typeface="微软雅黑" panose="020B0503020204020204" pitchFamily="34" charset="-122"/>
+                <a:cs typeface="微软雅黑" panose="020B0503020204020204" pitchFamily="34" charset="-122"/>
                 <a:sym typeface="+mn-ea"/>
               </a:rPr>
               <a:t>总检医师：谈亚利</a:t>
             </a:r>
-            <a:endParaRPr lang="zh-CN" altLang="en-US"/>
+            <a:endParaRPr sz="1800">
+              <a:latin typeface="微软雅黑" panose="020B0503020204020204" pitchFamily="34" charset="-122"/>
+              <a:cs typeface="微软雅黑" panose="020B0503020204020204" pitchFamily="34" charset="-122"/>
+            </a:endParaRPr>
           </a:p>
         </p:txBody>
       </p:sp>
